--- a/sdn_agents_bluespace.pptx
+++ b/sdn_agents_bluespace.pptx
@@ -12,6 +12,7 @@
     <p:sldId id="319" r:id="rId6"/>
     <p:sldId id="310" r:id="rId7"/>
     <p:sldId id="321" r:id="rId8"/>
+    <p:sldId id="325" r:id="rId9"/>
   </p:sldIdLst>
   <p:sldSz cx="12192000" cy="6858000"/>
   <p:notesSz cx="6797675" cy="9928225"/>
@@ -3243,7 +3244,11 @@
             </a:pPr>
             <a:r>
               <a:rPr lang="en-US" sz="1600" dirty="0" smtClean="0"/>
-              <a:t>Post/put ('http://10.1.1.10:5001/</a:t>
+              <a:t>Post/put ('http</a:t>
+            </a:r>
+            <a:r>
+              <a:rPr lang="en-US" sz="1600" dirty="0" smtClean="0"/>
+              <a:t>://localhost:5001/</a:t>
             </a:r>
             <a:r>
               <a:rPr lang="en-US" sz="1600" dirty="0" err="1" smtClean="0"/>
@@ -3373,18 +3378,22 @@
             </a:pPr>
             <a:r>
               <a:rPr lang="en-US" sz="1800" dirty="0" smtClean="0"/>
-              <a:t>get('http://10.1.1.10:5001/</a:t>
-            </a:r>
-            <a:r>
-              <a:rPr lang="en-US" sz="1800" dirty="0" err="1" smtClean="0"/>
+              <a:t>get('http</a:t>
+            </a:r>
+            <a:r>
+              <a:rPr lang="en-US" sz="1800" dirty="0"/>
+              <a:t>://localhost:5001/</a:t>
+            </a:r>
+            <a:r>
+              <a:rPr lang="en-US" sz="1800" dirty="0" err="1"/>
               <a:t>api</a:t>
             </a:r>
             <a:r>
-              <a:rPr lang="en-US" sz="1800" dirty="0" smtClean="0"/>
+              <a:rPr lang="en-US" sz="1800" dirty="0"/>
               <a:t>/</a:t>
             </a:r>
             <a:r>
-              <a:rPr lang="en-US" sz="1800" dirty="0" err="1" smtClean="0"/>
+              <a:rPr lang="en-US" sz="1800" dirty="0" err="1"/>
               <a:t>arof</a:t>
             </a:r>
             <a:r>
@@ -3546,18 +3555,22 @@
             </a:r>
             <a:r>
               <a:rPr lang="en-US" sz="1800" dirty="0" smtClean="0"/>
-              <a:t>elete ('http://10.1.1.10:5001/</a:t>
-            </a:r>
-            <a:r>
-              <a:rPr lang="en-US" sz="1800" dirty="0" err="1" smtClean="0"/>
+              <a:t>elete ('http</a:t>
+            </a:r>
+            <a:r>
+              <a:rPr lang="en-US" sz="1800" dirty="0"/>
+              <a:t>://localhost:5001/</a:t>
+            </a:r>
+            <a:r>
+              <a:rPr lang="en-US" sz="1800" dirty="0" err="1"/>
               <a:t>api</a:t>
             </a:r>
             <a:r>
-              <a:rPr lang="en-US" sz="1800" dirty="0" smtClean="0"/>
+              <a:rPr lang="en-US" sz="1800" dirty="0"/>
               <a:t>/</a:t>
             </a:r>
             <a:r>
-              <a:rPr lang="en-US" sz="1800" dirty="0" err="1" smtClean="0"/>
+              <a:rPr lang="en-US" sz="1800" dirty="0" err="1"/>
               <a:t>arof</a:t>
             </a:r>
             <a:r>
@@ -3704,13 +3717,143 @@
         <p:spPr/>
         <p:txBody>
           <a:bodyPr>
-            <a:normAutofit fontScale="92500" lnSpcReduction="20000"/>
+            <a:normAutofit fontScale="47500" lnSpcReduction="20000"/>
           </a:bodyPr>
           <a:lstStyle/>
           <a:p>
             <a:r>
               <a:rPr lang="es-ES" dirty="0" smtClean="0"/>
-              <a:t>AROF agent1 Post laser 1 (</a:t>
+              <a:t>AROF </a:t>
+            </a:r>
+            <a:r>
+              <a:rPr lang="es-ES" dirty="0" err="1" smtClean="0"/>
+              <a:t>agent</a:t>
+            </a:r>
+            <a:r>
+              <a:rPr lang="es-ES" dirty="0" smtClean="0"/>
+              <a:t> 1 Post </a:t>
+            </a:r>
+            <a:r>
+              <a:rPr lang="es-ES" dirty="0" smtClean="0"/>
+              <a:t>laser 1 </a:t>
+            </a:r>
+            <a:r>
+              <a:rPr lang="es-ES" dirty="0" smtClean="0"/>
+              <a:t>(off)</a:t>
+            </a:r>
+            <a:endParaRPr lang="es-ES" dirty="0" smtClean="0"/>
+          </a:p>
+          <a:p>
+            <a:r>
+              <a:rPr lang="es-ES" dirty="0" smtClean="0"/>
+              <a:t>AROF </a:t>
+            </a:r>
+            <a:r>
+              <a:rPr lang="es-ES" dirty="0" err="1" smtClean="0"/>
+              <a:t>agent</a:t>
+            </a:r>
+            <a:r>
+              <a:rPr lang="es-ES" dirty="0" smtClean="0"/>
+              <a:t> </a:t>
+            </a:r>
+            <a:r>
+              <a:rPr lang="es-ES" dirty="0" smtClean="0"/>
+              <a:t>1 </a:t>
+            </a:r>
+            <a:r>
+              <a:rPr lang="es-ES" dirty="0" smtClean="0"/>
+              <a:t>Post </a:t>
+            </a:r>
+            <a:r>
+              <a:rPr lang="es-ES" dirty="0" smtClean="0"/>
+              <a:t>laser </a:t>
+            </a:r>
+            <a:r>
+              <a:rPr lang="es-ES" dirty="0"/>
+              <a:t>2</a:t>
+            </a:r>
+            <a:r>
+              <a:rPr lang="es-ES" dirty="0" smtClean="0"/>
+              <a:t> (</a:t>
+            </a:r>
+            <a:r>
+              <a:rPr lang="es-ES" dirty="0" smtClean="0"/>
+              <a:t>off</a:t>
+            </a:r>
+            <a:r>
+              <a:rPr lang="es-ES" dirty="0" smtClean="0"/>
+              <a:t>)</a:t>
+            </a:r>
+          </a:p>
+          <a:p>
+            <a:r>
+              <a:rPr lang="es-ES" dirty="0"/>
+              <a:t>AROF </a:t>
+            </a:r>
+            <a:r>
+              <a:rPr lang="es-ES" dirty="0" err="1" smtClean="0"/>
+              <a:t>agent</a:t>
+            </a:r>
+            <a:r>
+              <a:rPr lang="es-ES" dirty="0" smtClean="0"/>
+              <a:t> 1 </a:t>
+            </a:r>
+            <a:r>
+              <a:rPr lang="es-ES" dirty="0"/>
+              <a:t>Post laser </a:t>
+            </a:r>
+            <a:r>
+              <a:rPr lang="es-ES" dirty="0" smtClean="0"/>
+              <a:t>3 (off)</a:t>
+            </a:r>
+            <a:endParaRPr lang="es-ES" dirty="0"/>
+          </a:p>
+          <a:p>
+            <a:r>
+              <a:rPr lang="es-ES" dirty="0"/>
+              <a:t>AROF </a:t>
+            </a:r>
+            <a:r>
+              <a:rPr lang="es-ES" dirty="0" err="1"/>
+              <a:t>agent</a:t>
+            </a:r>
+            <a:r>
+              <a:rPr lang="es-ES" dirty="0"/>
+              <a:t> 1 Post laser </a:t>
+            </a:r>
+            <a:r>
+              <a:rPr lang="es-ES" dirty="0" smtClean="0"/>
+              <a:t>4 (off)</a:t>
+            </a:r>
+          </a:p>
+          <a:p>
+            <a:r>
+              <a:rPr lang="es-ES" dirty="0"/>
+              <a:t>AROF </a:t>
+            </a:r>
+            <a:r>
+              <a:rPr lang="es-ES" dirty="0" err="1"/>
+              <a:t>agent</a:t>
+            </a:r>
+            <a:r>
+              <a:rPr lang="es-ES" dirty="0"/>
+              <a:t> 1 </a:t>
+            </a:r>
+            <a:r>
+              <a:rPr lang="es-ES" dirty="0" err="1" smtClean="0"/>
+              <a:t>Put</a:t>
+            </a:r>
+            <a:r>
+              <a:rPr lang="es-ES" dirty="0" smtClean="0"/>
+              <a:t> </a:t>
+            </a:r>
+            <a:r>
+              <a:rPr lang="es-ES" dirty="0"/>
+              <a:t>laser 1 </a:t>
+            </a:r>
+            <a:r>
+              <a:rPr lang="es-ES" dirty="0" smtClean="0"/>
+              <a:t>(</a:t>
             </a:r>
             <a:r>
               <a:rPr lang="es-ES" dirty="0" err="1" smtClean="0"/>
@@ -3720,6 +3863,124 @@
               <a:rPr lang="es-ES" dirty="0" smtClean="0"/>
               <a:t>)</a:t>
             </a:r>
+            <a:endParaRPr lang="es-ES" dirty="0"/>
+          </a:p>
+          <a:p>
+            <a:r>
+              <a:rPr lang="es-ES" dirty="0"/>
+              <a:t>AROF </a:t>
+            </a:r>
+            <a:r>
+              <a:rPr lang="es-ES" dirty="0" err="1"/>
+              <a:t>agent</a:t>
+            </a:r>
+            <a:r>
+              <a:rPr lang="es-ES" dirty="0"/>
+              <a:t> 1 </a:t>
+            </a:r>
+            <a:r>
+              <a:rPr lang="es-ES" dirty="0" err="1"/>
+              <a:t>Put</a:t>
+            </a:r>
+            <a:r>
+              <a:rPr lang="es-ES" dirty="0" smtClean="0"/>
+              <a:t> </a:t>
+            </a:r>
+            <a:r>
+              <a:rPr lang="es-ES" dirty="0"/>
+              <a:t>laser 2 </a:t>
+            </a:r>
+            <a:r>
+              <a:rPr lang="es-ES" dirty="0" smtClean="0"/>
+              <a:t>(</a:t>
+            </a:r>
+            <a:r>
+              <a:rPr lang="es-ES" dirty="0" err="1" smtClean="0"/>
+              <a:t>on</a:t>
+            </a:r>
+            <a:r>
+              <a:rPr lang="es-ES" dirty="0" smtClean="0"/>
+              <a:t>)</a:t>
+            </a:r>
+            <a:endParaRPr lang="es-ES" dirty="0"/>
+          </a:p>
+          <a:p>
+            <a:r>
+              <a:rPr lang="es-ES" dirty="0"/>
+              <a:t>AROF </a:t>
+            </a:r>
+            <a:r>
+              <a:rPr lang="es-ES" dirty="0" err="1"/>
+              <a:t>agent</a:t>
+            </a:r>
+            <a:r>
+              <a:rPr lang="es-ES" dirty="0"/>
+              <a:t> 1 </a:t>
+            </a:r>
+            <a:r>
+              <a:rPr lang="es-ES" dirty="0" err="1"/>
+              <a:t>Put</a:t>
+            </a:r>
+            <a:r>
+              <a:rPr lang="es-ES" dirty="0" smtClean="0"/>
+              <a:t> </a:t>
+            </a:r>
+            <a:r>
+              <a:rPr lang="es-ES" dirty="0"/>
+              <a:t>laser 3 </a:t>
+            </a:r>
+            <a:r>
+              <a:rPr lang="es-ES" dirty="0" smtClean="0"/>
+              <a:t>(</a:t>
+            </a:r>
+            <a:r>
+              <a:rPr lang="es-ES" dirty="0" err="1" smtClean="0"/>
+              <a:t>on</a:t>
+            </a:r>
+            <a:r>
+              <a:rPr lang="es-ES" dirty="0" smtClean="0"/>
+              <a:t>)</a:t>
+            </a:r>
+            <a:endParaRPr lang="es-ES" dirty="0"/>
+          </a:p>
+          <a:p>
+            <a:r>
+              <a:rPr lang="es-ES" dirty="0"/>
+              <a:t>AROF </a:t>
+            </a:r>
+            <a:r>
+              <a:rPr lang="es-ES" dirty="0" err="1"/>
+              <a:t>agent</a:t>
+            </a:r>
+            <a:r>
+              <a:rPr lang="es-ES" dirty="0"/>
+              <a:t> 1 </a:t>
+            </a:r>
+            <a:r>
+              <a:rPr lang="es-ES" dirty="0" err="1"/>
+              <a:t>Put</a:t>
+            </a:r>
+            <a:r>
+              <a:rPr lang="es-ES" dirty="0" smtClean="0"/>
+              <a:t> </a:t>
+            </a:r>
+            <a:r>
+              <a:rPr lang="es-ES" dirty="0"/>
+              <a:t>laser 4 </a:t>
+            </a:r>
+            <a:r>
+              <a:rPr lang="es-ES" dirty="0" smtClean="0"/>
+              <a:t>(</a:t>
+            </a:r>
+            <a:r>
+              <a:rPr lang="es-ES" dirty="0" err="1" smtClean="0"/>
+              <a:t>on</a:t>
+            </a:r>
+            <a:r>
+              <a:rPr lang="es-ES" dirty="0" smtClean="0"/>
+              <a:t>)</a:t>
+            </a:r>
+            <a:endParaRPr lang="es-ES" dirty="0" smtClean="0"/>
           </a:p>
           <a:p>
             <a:r>
@@ -3732,15 +3993,37 @@
             </a:r>
             <a:r>
               <a:rPr lang="es-ES" dirty="0" smtClean="0"/>
-              <a:t> 2 Post </a:t>
+              <a:t> 1 GET </a:t>
+            </a:r>
+          </a:p>
+          <a:p>
+            <a:r>
+              <a:rPr lang="es-ES" dirty="0" smtClean="0"/>
+              <a:t>AROF </a:t>
             </a:r>
             <a:r>
               <a:rPr lang="es-ES" dirty="0" err="1" smtClean="0"/>
-              <a:t>lastr</a:t>
-            </a:r>
-            <a:r>
-              <a:rPr lang="es-ES" dirty="0" smtClean="0"/>
-              <a:t> 1 (</a:t>
+              <a:t>agent</a:t>
+            </a:r>
+            <a:r>
+              <a:rPr lang="es-ES" dirty="0" smtClean="0"/>
+              <a:t> 1 </a:t>
+            </a:r>
+            <a:r>
+              <a:rPr lang="es-ES" dirty="0" err="1" smtClean="0"/>
+              <a:t>Put</a:t>
+            </a:r>
+            <a:r>
+              <a:rPr lang="es-ES" dirty="0" smtClean="0"/>
+              <a:t> laser </a:t>
+            </a:r>
+            <a:r>
+              <a:rPr lang="es-ES" dirty="0" smtClean="0"/>
+              <a:t>1 </a:t>
+            </a:r>
+            <a:r>
+              <a:rPr lang="es-ES" dirty="0" smtClean="0"/>
+              <a:t>(</a:t>
             </a:r>
             <a:r>
               <a:rPr lang="es-ES" dirty="0" err="1" smtClean="0"/>
@@ -3758,11 +4041,43 @@
             </a:r>
             <a:r>
               <a:rPr lang="es-ES" dirty="0" err="1" smtClean="0"/>
-              <a:t>agent</a:t>
-            </a:r>
-            <a:r>
-              <a:rPr lang="es-ES" dirty="0" smtClean="0"/>
-              <a:t> 1 GET </a:t>
+              <a:t>agnet</a:t>
+            </a:r>
+            <a:r>
+              <a:rPr lang="es-ES" dirty="0" smtClean="0"/>
+              <a:t> </a:t>
+            </a:r>
+            <a:r>
+              <a:rPr lang="es-ES" dirty="0" smtClean="0"/>
+              <a:t>1 </a:t>
+            </a:r>
+            <a:r>
+              <a:rPr lang="es-ES" dirty="0" err="1" smtClean="0"/>
+              <a:t>Put</a:t>
+            </a:r>
+            <a:r>
+              <a:rPr lang="es-ES" dirty="0" smtClean="0"/>
+              <a:t> </a:t>
+            </a:r>
+            <a:r>
+              <a:rPr lang="es-ES" dirty="0"/>
+              <a:t>l</a:t>
+            </a:r>
+            <a:r>
+              <a:rPr lang="es-ES" dirty="0" smtClean="0"/>
+              <a:t>aser 2 </a:t>
+            </a:r>
+            <a:r>
+              <a:rPr lang="es-ES" dirty="0" smtClean="0"/>
+              <a:t>(</a:t>
+            </a:r>
+            <a:r>
+              <a:rPr lang="es-ES" dirty="0" err="1" smtClean="0"/>
+              <a:t>on</a:t>
+            </a:r>
+            <a:r>
+              <a:rPr lang="es-ES" dirty="0" smtClean="0"/>
+              <a:t>)</a:t>
             </a:r>
           </a:p>
           <a:p>
@@ -3776,7 +4091,7 @@
             </a:r>
             <a:r>
               <a:rPr lang="es-ES" dirty="0" smtClean="0"/>
-              <a:t> 2 GET</a:t>
+              <a:t> 1 GET</a:t>
             </a:r>
           </a:p>
           <a:p>
@@ -3794,50 +4109,13 @@
             </a:r>
             <a:r>
               <a:rPr lang="es-ES" dirty="0" err="1" smtClean="0"/>
-              <a:t>Put</a:t>
-            </a:r>
-            <a:r>
-              <a:rPr lang="es-ES" dirty="0" smtClean="0"/>
-              <a:t> laser 2 (</a:t>
-            </a:r>
-            <a:r>
-              <a:rPr lang="es-ES" dirty="0" err="1" smtClean="0"/>
-              <a:t>on</a:t>
-            </a:r>
-            <a:r>
-              <a:rPr lang="es-ES" dirty="0" smtClean="0"/>
-              <a:t>)</a:t>
-            </a:r>
-          </a:p>
-          <a:p>
-            <a:r>
-              <a:rPr lang="es-ES" dirty="0" smtClean="0"/>
-              <a:t>AROF </a:t>
-            </a:r>
-            <a:r>
-              <a:rPr lang="es-ES" dirty="0" err="1" smtClean="0"/>
-              <a:t>agnet</a:t>
-            </a:r>
-            <a:r>
-              <a:rPr lang="es-ES" dirty="0" smtClean="0"/>
-              <a:t> 2 </a:t>
-            </a:r>
-            <a:r>
-              <a:rPr lang="es-ES" dirty="0" err="1" smtClean="0"/>
-              <a:t>Put</a:t>
-            </a:r>
-            <a:r>
-              <a:rPr lang="es-ES" dirty="0" smtClean="0"/>
-              <a:t> Laser 2 (</a:t>
-            </a:r>
-            <a:r>
-              <a:rPr lang="es-ES" dirty="0" err="1" smtClean="0"/>
-              <a:t>on</a:t>
-            </a:r>
-            <a:r>
-              <a:rPr lang="es-ES" dirty="0" smtClean="0"/>
-              <a:t>)</a:t>
-            </a:r>
+              <a:t>delete</a:t>
+            </a:r>
+            <a:r>
+              <a:rPr lang="es-ES" dirty="0"/>
+              <a:t> laser 1</a:t>
+            </a:r>
+            <a:endParaRPr lang="es-ES" dirty="0" smtClean="0"/>
           </a:p>
           <a:p>
             <a:r>
@@ -3850,7 +4128,49 @@
             </a:r>
             <a:r>
               <a:rPr lang="es-ES" dirty="0" smtClean="0"/>
-              <a:t> 1 GET</a:t>
+              <a:t> </a:t>
+            </a:r>
+            <a:r>
+              <a:rPr lang="es-ES" dirty="0" smtClean="0"/>
+              <a:t>1 </a:t>
+            </a:r>
+            <a:r>
+              <a:rPr lang="es-ES" dirty="0" err="1" smtClean="0"/>
+              <a:t>delete</a:t>
+            </a:r>
+            <a:r>
+              <a:rPr lang="es-ES" dirty="0" smtClean="0"/>
+              <a:t>  </a:t>
+            </a:r>
+            <a:r>
+              <a:rPr lang="es-ES" dirty="0" smtClean="0"/>
+              <a:t>laser 2 </a:t>
+            </a:r>
+          </a:p>
+          <a:p>
+            <a:r>
+              <a:rPr lang="es-ES" dirty="0"/>
+              <a:t>AROF </a:t>
+            </a:r>
+            <a:r>
+              <a:rPr lang="es-ES" dirty="0" err="1"/>
+              <a:t>agent</a:t>
+            </a:r>
+            <a:r>
+              <a:rPr lang="es-ES" dirty="0"/>
+              <a:t> 1 </a:t>
+            </a:r>
+            <a:r>
+              <a:rPr lang="es-ES" dirty="0" err="1"/>
+              <a:t>delete</a:t>
+            </a:r>
+            <a:r>
+              <a:rPr lang="es-ES" dirty="0"/>
+              <a:t>  laser </a:t>
+            </a:r>
+            <a:r>
+              <a:rPr lang="es-ES" dirty="0" smtClean="0"/>
+              <a:t>3</a:t>
             </a:r>
           </a:p>
           <a:p>
@@ -3864,44 +4184,15 @@
             </a:r>
             <a:r>
               <a:rPr lang="es-ES" dirty="0" smtClean="0"/>
-              <a:t> 1 GET</a:t>
-            </a:r>
-          </a:p>
-          <a:p>
-            <a:r>
-              <a:rPr lang="es-ES" dirty="0" smtClean="0"/>
-              <a:t>AROF </a:t>
-            </a:r>
-            <a:r>
-              <a:rPr lang="es-ES" dirty="0" err="1" smtClean="0"/>
-              <a:t>agent</a:t>
-            </a:r>
-            <a:r>
-              <a:rPr lang="es-ES" dirty="0" smtClean="0"/>
               <a:t> 1 </a:t>
             </a:r>
             <a:r>
               <a:rPr lang="es-ES" dirty="0" err="1" smtClean="0"/>
               <a:t>delete</a:t>
             </a:r>
-            <a:endParaRPr lang="es-ES" dirty="0" smtClean="0"/>
-          </a:p>
-          <a:p>
-            <a:r>
-              <a:rPr lang="es-ES" dirty="0" smtClean="0"/>
-              <a:t>AROF </a:t>
-            </a:r>
-            <a:r>
-              <a:rPr lang="es-ES" dirty="0" err="1" smtClean="0"/>
-              <a:t>agent</a:t>
-            </a:r>
-            <a:r>
-              <a:rPr lang="es-ES" dirty="0" smtClean="0"/>
-              <a:t> 2 </a:t>
-            </a:r>
-            <a:r>
-              <a:rPr lang="es-ES" smtClean="0"/>
-              <a:t>delete   </a:t>
+            <a:r>
+              <a:rPr lang="es-ES" dirty="0" smtClean="0"/>
+              <a:t> laser 4</a:t>
             </a:r>
             <a:endParaRPr lang="en-GB" dirty="0"/>
           </a:p>
@@ -4233,7 +4524,15 @@
             </a:pPr>
             <a:r>
               <a:rPr lang="en-US" sz="1600" dirty="0" smtClean="0"/>
-              <a:t>post ('http://10.1.1.10:5001/</a:t>
+              <a:t>post ('http</a:t>
+            </a:r>
+            <a:r>
+              <a:rPr lang="en-US" sz="1600" dirty="0"/>
+              <a:t>://</a:t>
+            </a:r>
+            <a:r>
+              <a:rPr lang="en-US" sz="1600" dirty="0" smtClean="0"/>
+              <a:t>localhost:5002/</a:t>
             </a:r>
             <a:r>
               <a:rPr lang="en-US" sz="1600" dirty="0" err="1" smtClean="0"/>
@@ -4359,7 +4658,15 @@
             </a:pPr>
             <a:r>
               <a:rPr lang="en-US" sz="1800" dirty="0" smtClean="0"/>
-              <a:t>get('http://10.1.1.10:5001/</a:t>
+              <a:t>get('http</a:t>
+            </a:r>
+            <a:r>
+              <a:rPr lang="en-US" sz="1800" dirty="0"/>
+              <a:t>://</a:t>
+            </a:r>
+            <a:r>
+              <a:rPr lang="en-US" sz="1800" dirty="0" smtClean="0"/>
+              <a:t>localhost:5002/</a:t>
             </a:r>
             <a:r>
               <a:rPr lang="en-US" sz="1800" dirty="0" err="1" smtClean="0"/>
@@ -4527,7 +4834,15 @@
             </a:pPr>
             <a:r>
               <a:rPr lang="en-US" sz="1600" dirty="0" smtClean="0"/>
-              <a:t>put ('http://10.1.1.10:5001/</a:t>
+              <a:t>put ('http</a:t>
+            </a:r>
+            <a:r>
+              <a:rPr lang="en-US" sz="1600" dirty="0"/>
+              <a:t>://</a:t>
+            </a:r>
+            <a:r>
+              <a:rPr lang="en-US" sz="1600" dirty="0" smtClean="0"/>
+              <a:t>localhost:5002/</a:t>
             </a:r>
             <a:r>
               <a:rPr lang="en-US" sz="1600" dirty="0" err="1" smtClean="0"/>
@@ -4550,11 +4865,7 @@
               <a:t>[</a:t>
             </a:r>
             <a:r>
-              <a:rPr lang="en-US" sz="1600" dirty="0" err="1">
-                <a:solidFill>
-                  <a:srgbClr val="FF0000"/>
-                </a:solidFill>
-              </a:rPr>
+              <a:rPr lang="en-US" sz="1600" dirty="0" err="1"/>
               <a:t>beam_id</a:t>
             </a:r>
             <a:r>
@@ -4677,7 +4988,15 @@
             </a:r>
             <a:r>
               <a:rPr lang="en-US" sz="1800" dirty="0" smtClean="0"/>
-              <a:t>elete ('http://10.1.1.10:5001/</a:t>
+              <a:t>elete ('http</a:t>
+            </a:r>
+            <a:r>
+              <a:rPr lang="en-US" sz="1800" dirty="0"/>
+              <a:t>://</a:t>
+            </a:r>
+            <a:r>
+              <a:rPr lang="en-US" sz="1800" dirty="0" smtClean="0"/>
+              <a:t>localhost:5002/</a:t>
             </a:r>
             <a:r>
               <a:rPr lang="en-US" sz="1800" dirty="0" err="1" smtClean="0"/>
@@ -4767,6 +5086,80 @@
       </p:par>
     </p:tnLst>
   </p:timing>
+</p:sld>
+</file>
+
+<file path=ppt/slides/slide8.xml><?xml version="1.0" encoding="utf-8"?>
+<p:sld xmlns:a="http://schemas.openxmlformats.org/drawingml/2006/main" xmlns:r="http://schemas.openxmlformats.org/officeDocument/2006/relationships" xmlns:p="http://schemas.openxmlformats.org/presentationml/2006/main">
+  <p:cSld>
+    <p:spTree>
+      <p:nvGrpSpPr>
+        <p:cNvPr id="1" name=""/>
+        <p:cNvGrpSpPr/>
+        <p:nvPr/>
+      </p:nvGrpSpPr>
+      <p:grpSpPr>
+        <a:xfrm>
+          <a:off x="0" y="0"/>
+          <a:ext cx="0" cy="0"/>
+          <a:chOff x="0" y="0"/>
+          <a:chExt cx="0" cy="0"/>
+        </a:xfrm>
+      </p:grpSpPr>
+      <p:sp>
+        <p:nvSpPr>
+          <p:cNvPr id="2" name="Título 1"/>
+          <p:cNvSpPr>
+            <a:spLocks noGrp="1"/>
+          </p:cNvSpPr>
+          <p:nvPr>
+            <p:ph type="title"/>
+          </p:nvPr>
+        </p:nvSpPr>
+        <p:spPr/>
+        <p:txBody>
+          <a:bodyPr/>
+          <a:lstStyle/>
+          <a:p>
+            <a:r>
+              <a:rPr lang="es-ES" dirty="0" smtClean="0"/>
+              <a:t>Test</a:t>
+            </a:r>
+            <a:endParaRPr lang="en-GB" dirty="0"/>
+          </a:p>
+        </p:txBody>
+      </p:sp>
+      <p:sp>
+        <p:nvSpPr>
+          <p:cNvPr id="3" name="Marcador de contenido 2"/>
+          <p:cNvSpPr>
+            <a:spLocks noGrp="1"/>
+          </p:cNvSpPr>
+          <p:nvPr>
+            <p:ph idx="1"/>
+          </p:nvPr>
+        </p:nvSpPr>
+        <p:spPr/>
+        <p:txBody>
+          <a:bodyPr>
+            <a:normAutofit/>
+          </a:bodyPr>
+          <a:lstStyle/>
+          <a:p>
+            <a:endParaRPr lang="en-GB" dirty="0"/>
+          </a:p>
+        </p:txBody>
+      </p:sp>
+    </p:spTree>
+    <p:extLst>
+      <p:ext uri="{BB962C8B-B14F-4D97-AF65-F5344CB8AC3E}">
+        <p14:creationId xmlns:p14="http://schemas.microsoft.com/office/powerpoint/2010/main" val="1725220793"/>
+      </p:ext>
+    </p:extLst>
+  </p:cSld>
+  <p:clrMapOvr>
+    <a:masterClrMapping/>
+  </p:clrMapOvr>
 </p:sld>
 </file>
 
